--- a/source/2.実習OpenRefineの使い方_縦長.pptx
+++ b/source/2.実習OpenRefineの使い方_縦長.pptx
@@ -286,7 +286,7 @@
       <p15:notesGuideLst xmlns:p15="http://schemas.microsoft.com/office/powerpoint/2012/main"/>
     </p:ext>
     <p:ext uri="GoogleSlidesCustomDataVersion2">
-      <go:slidesCustomData xmlns="" xmlns:mc="http://schemas.openxmlformats.org/markup-compatibility/2006" xmlns:mv="urn:schemas-microsoft-com:mac:vml" xmlns:c="http://schemas.openxmlformats.org/drawingml/2006/chart" xmlns:dgm="http://schemas.openxmlformats.org/drawingml/2006/diagram" xmlns:o="urn:schemas-microsoft-com:office:office" xmlns:v="urn:schemas-microsoft-com:vml" xmlns:pvml="urn:schemas-microsoft-com:office:powerpoint" xmlns:com="http://schemas.openxmlformats.org/drawingml/2006/compatibility" xmlns:p14="http://schemas.microsoft.com/office/powerpoint/2010/main" xmlns:p15="http://schemas.microsoft.com/office/powerpoint/2012/main" xmlns:ahyp="http://schemas.microsoft.com/office/drawing/2018/hyperlinkcolor" xmlns:go="http://customooxmlschemas.google.com/" r:id="rId31" roundtripDataSignature="AMtx7mjFcBJSZj0yNzve/OhnF2XPlBC5dQ=="/>
+      <go:slidesCustomData xmlns:go="http://customooxmlschemas.google.com/" xmlns:ahyp="http://schemas.microsoft.com/office/drawing/2018/hyperlinkcolor" xmlns:p15="http://schemas.microsoft.com/office/powerpoint/2012/main" xmlns:p14="http://schemas.microsoft.com/office/powerpoint/2010/main" xmlns:com="http://schemas.openxmlformats.org/drawingml/2006/compatibility" xmlns:pvml="urn:schemas-microsoft-com:office:powerpoint" xmlns:v="urn:schemas-microsoft-com:vml" xmlns:o="urn:schemas-microsoft-com:office:office" xmlns:dgm="http://schemas.openxmlformats.org/drawingml/2006/diagram" xmlns:c="http://schemas.openxmlformats.org/drawingml/2006/chart" xmlns:mv="urn:schemas-microsoft-com:mac:vml" xmlns:mc="http://schemas.openxmlformats.org/markup-compatibility/2006" xmlns="" r:id="rId31" roundtripDataSignature="AMtx7mjFcBJSZj0yNzve/OhnF2XPlBC5dQ=="/>
     </p:ext>
   </p:extLst>
 </p:presentation>
@@ -19860,19 +19860,6 @@
             </a:endParaRPr>
           </a:p>
           <a:p>
-            <a:pPr marL="321477" lvl="1" indent="0">
-              <a:buSzPct val="100000"/>
-              <a:buNone/>
-            </a:pPr>
-            <a:r>
-              <a:rPr kumimoji="1" lang="en-US" altLang="ja-JP" dirty="0">
-                <a:latin typeface="ＭＳ ゴシック" panose="020B0609070205080204" pitchFamily="49" charset="-128"/>
-                <a:ea typeface="ＭＳ ゴシック" panose="020B0609070205080204" pitchFamily="49" charset="-128"/>
-              </a:rPr>
-              <a:t>https://wdreconcile.toolforge.org/ja/api</a:t>
-            </a:r>
-          </a:p>
-          <a:p>
             <a:pPr marL="578646" indent="-514350">
               <a:buSzPct val="100000"/>
               <a:buFont typeface="+mj-lt"/>
@@ -19892,17 +19879,19 @@
               </a:rPr>
               <a:t>Wikipedia(ja)</a:t>
             </a:r>
-            <a:r>
-              <a:rPr kumimoji="1" lang="ja-JP" altLang="en-US" dirty="0">
-                <a:latin typeface="ＭＳ ゴシック" panose="020B0609070205080204" pitchFamily="49" charset="-128"/>
-                <a:ea typeface="ＭＳ ゴシック" panose="020B0609070205080204" pitchFamily="49" charset="-128"/>
-              </a:rPr>
-              <a:t>」</a:t>
-            </a:r>
-            <a:endParaRPr kumimoji="1" lang="en-US" altLang="ja-JP" dirty="0">
-              <a:latin typeface="ＭＳ ゴシック" panose="020B0609070205080204" pitchFamily="49" charset="-128"/>
-              <a:ea typeface="ＭＳ ゴシック" panose="020B0609070205080204" pitchFamily="49" charset="-128"/>
-            </a:endParaRPr>
+          </a:p>
+          <a:p>
+            <a:pPr marL="321477" lvl="1" indent="0">
+              <a:buSzPct val="100000"/>
+              <a:buNone/>
+            </a:pPr>
+            <a:r>
+              <a:rPr kumimoji="1" lang="en-US" altLang="ja-JP" dirty="0">
+                <a:latin typeface="ＭＳ ゴシック" panose="020B0609070205080204" pitchFamily="49" charset="-128"/>
+                <a:ea typeface="ＭＳ ゴシック" panose="020B0609070205080204" pitchFamily="49" charset="-128"/>
+              </a:rPr>
+              <a:t>https://wikidata.reconci.link/ja/api</a:t>
+            </a:r>
           </a:p>
           <a:p>
             <a:pPr marL="578646" indent="-514350">
@@ -19915,7 +19904,7 @@
                 <a:latin typeface="ＭＳ ゴシック" panose="020B0609070205080204" pitchFamily="49" charset="-128"/>
                 <a:ea typeface="ＭＳ ゴシック" panose="020B0609070205080204" pitchFamily="49" charset="-128"/>
               </a:rPr>
-              <a:t>「照合開始」</a:t>
+              <a:t>照合開始」</a:t>
             </a:r>
             <a:endParaRPr kumimoji="1" lang="en-US" altLang="ja-JP" dirty="0">
               <a:latin typeface="ＭＳ ゴシック" panose="020B0609070205080204" pitchFamily="49" charset="-128"/>
@@ -19997,19 +19986,8 @@
                 <a:latin typeface="ＭＳ ゴシック" panose="020B0609070205080204" pitchFamily="49" charset="-128"/>
                 <a:ea typeface="ＭＳ ゴシック" panose="020B0609070205080204" pitchFamily="49" charset="-128"/>
               </a:rPr>
-              <a:t>書き代わりとリンク生成</a:t>
-            </a:r>
-            <a:r>
-              <a:rPr kumimoji="1" lang="ja-JP" altLang="en-US">
-                <a:latin typeface="ＭＳ ゴシック" panose="020B0609070205080204" pitchFamily="49" charset="-128"/>
-                <a:ea typeface="ＭＳ ゴシック" panose="020B0609070205080204" pitchFamily="49" charset="-128"/>
-              </a:rPr>
-              <a:t>を確認</a:t>
-            </a:r>
-            <a:endParaRPr kumimoji="1" lang="ja-JP" altLang="en-US" dirty="0">
-              <a:latin typeface="ＭＳ ゴシック" panose="020B0609070205080204" pitchFamily="49" charset="-128"/>
-              <a:ea typeface="ＭＳ ゴシック" panose="020B0609070205080204" pitchFamily="49" charset="-128"/>
-            </a:endParaRPr>
+              <a:t>書き代わりとリンク生成を確認</a:t>
+            </a:r>
           </a:p>
         </p:txBody>
       </p:sp>

--- a/source/2.実習OpenRefineの使い方_縦長.pptx
+++ b/source/2.実習OpenRefineの使い方_縦長.pptx
@@ -286,7 +286,7 @@
       <p15:notesGuideLst xmlns:p15="http://schemas.microsoft.com/office/powerpoint/2012/main"/>
     </p:ext>
     <p:ext uri="GoogleSlidesCustomDataVersion2">
-      <go:slidesCustomData xmlns:go="http://customooxmlschemas.google.com/" xmlns:ahyp="http://schemas.microsoft.com/office/drawing/2018/hyperlinkcolor" xmlns:p15="http://schemas.microsoft.com/office/powerpoint/2012/main" xmlns:p14="http://schemas.microsoft.com/office/powerpoint/2010/main" xmlns:com="http://schemas.openxmlformats.org/drawingml/2006/compatibility" xmlns:pvml="urn:schemas-microsoft-com:office:powerpoint" xmlns:v="urn:schemas-microsoft-com:vml" xmlns:o="urn:schemas-microsoft-com:office:office" xmlns:dgm="http://schemas.openxmlformats.org/drawingml/2006/diagram" xmlns:c="http://schemas.openxmlformats.org/drawingml/2006/chart" xmlns:mv="urn:schemas-microsoft-com:mac:vml" xmlns:mc="http://schemas.openxmlformats.org/markup-compatibility/2006" xmlns="" r:id="rId31" roundtripDataSignature="AMtx7mjFcBJSZj0yNzve/OhnF2XPlBC5dQ=="/>
+      <go:slidesCustomData xmlns="" xmlns:mc="http://schemas.openxmlformats.org/markup-compatibility/2006" xmlns:mv="urn:schemas-microsoft-com:mac:vml" xmlns:c="http://schemas.openxmlformats.org/drawingml/2006/chart" xmlns:dgm="http://schemas.openxmlformats.org/drawingml/2006/diagram" xmlns:o="urn:schemas-microsoft-com:office:office" xmlns:v="urn:schemas-microsoft-com:vml" xmlns:pvml="urn:schemas-microsoft-com:office:powerpoint" xmlns:com="http://schemas.openxmlformats.org/drawingml/2006/compatibility" xmlns:p14="http://schemas.microsoft.com/office/powerpoint/2010/main" xmlns:p15="http://schemas.microsoft.com/office/powerpoint/2012/main" xmlns:ahyp="http://schemas.microsoft.com/office/drawing/2018/hyperlinkcolor" xmlns:go="http://customooxmlschemas.google.com/" r:id="rId31" roundtripDataSignature="AMtx7mjFcBJSZj0yNzve/OhnF2XPlBC5dQ=="/>
     </p:ext>
   </p:extLst>
 </p:presentation>
@@ -16071,7 +16071,7 @@
         </p:nvSpPr>
         <p:spPr>
           <a:xfrm>
-            <a:off x="575580" y="4572617"/>
+            <a:off x="575580" y="4762681"/>
             <a:ext cx="5915025" cy="6229512"/>
           </a:xfrm>
           <a:prstGeom prst="rect">
@@ -16412,7 +16412,7 @@
         </p:nvSpPr>
         <p:spPr>
           <a:xfrm flipH="1">
-            <a:off x="457198" y="10549981"/>
+            <a:off x="516390" y="10704586"/>
             <a:ext cx="6033407" cy="913688"/>
           </a:xfrm>
           <a:prstGeom prst="rect">
@@ -16483,8 +16483,8 @@
         </p:nvSpPr>
         <p:spPr>
           <a:xfrm>
-            <a:off x="758757" y="3218594"/>
-            <a:ext cx="5340485" cy="1077218"/>
+            <a:off x="758757" y="2157905"/>
+            <a:ext cx="5672658" cy="3046988"/>
           </a:xfrm>
           <a:prstGeom prst="rect">
             <a:avLst/>
@@ -16497,6 +16497,10 @@
           </a:bodyPr>
           <a:lstStyle/>
           <a:p>
+            <a:pPr marL="514350" indent="-514350">
+              <a:buFont typeface="+mj-lt"/>
+              <a:buAutoNum type="arabicPeriod"/>
+            </a:pPr>
             <a:r>
               <a:rPr lang="en-US" altLang="ja-JP" sz="3200" dirty="0">
                 <a:latin typeface="ＭＳ ゴシック" panose="020B0609070205080204" pitchFamily="49" charset="-128"/>
@@ -16509,7 +16513,7 @@
                 <a:latin typeface="ＭＳ ゴシック" panose="020B0609070205080204" pitchFamily="49" charset="-128"/>
                 <a:ea typeface="ＭＳ ゴシック" panose="020B0609070205080204" pitchFamily="49" charset="-128"/>
               </a:rPr>
-              <a:t>ブラウザでアクセス後、</a:t>
+              <a:t>ブラウザで以下にアクセス後、</a:t>
             </a:r>
             <a:r>
               <a:rPr lang="en-US" altLang="ja-JP" sz="3200" dirty="0" err="1">
@@ -16525,6 +16529,29 @@
               </a:rPr>
               <a:t>で名前をつけて保存</a:t>
             </a:r>
+            <a:endParaRPr lang="en-US" altLang="ja-JP" sz="3200" dirty="0">
+              <a:latin typeface="ＭＳ ゴシック" panose="020B0609070205080204" pitchFamily="49" charset="-128"/>
+              <a:ea typeface="ＭＳ ゴシック" panose="020B0609070205080204" pitchFamily="49" charset="-128"/>
+            </a:endParaRPr>
+          </a:p>
+          <a:p>
+            <a:pPr marL="514350" indent="-514350">
+              <a:buFont typeface="+mj-lt"/>
+              <a:buAutoNum type="arabicPeriod"/>
+            </a:pPr>
+            <a:r>
+              <a:rPr lang="ja-JP" altLang="en-US" sz="3200" dirty="0">
+                <a:latin typeface="ＭＳ ゴシック" panose="020B0609070205080204" pitchFamily="49" charset="-128"/>
+                <a:ea typeface="ＭＳ ゴシック" panose="020B0609070205080204" pitchFamily="49" charset="-128"/>
+              </a:rPr>
+              <a:t>「葛飾北斎」フォルダ作成し、ファイルを移す</a:t>
+            </a:r>
+            <a:endParaRPr lang="en-US" altLang="ja-JP" sz="3200" dirty="0">
+              <a:latin typeface="ＭＳ ゴシック" panose="020B0609070205080204" pitchFamily="49" charset="-128"/>
+              <a:ea typeface="ＭＳ ゴシック" panose="020B0609070205080204" pitchFamily="49" charset="-128"/>
+            </a:endParaRPr>
+          </a:p>
+          <a:p>
             <a:endParaRPr kumimoji="1" lang="ja-JP" altLang="en-US" sz="3200" dirty="0">
               <a:latin typeface="ＭＳ ゴシック" panose="020B0609070205080204" pitchFamily="49" charset="-128"/>
               <a:ea typeface="ＭＳ ゴシック" panose="020B0609070205080204" pitchFamily="49" charset="-128"/>
